--- a/netrobots.pptx
+++ b/netrobots.pptx
@@ -4142,7 +4142,7 @@
               <a:t>edit client/</a:t>
             </a:r>
             <a:r>
-              <a:rPr lang="en-US" smtClean="0"/>
+              <a:rPr lang="en-US" dirty="0" err="1" smtClean="0"/>
               <a:t>empty.c</a:t>
             </a:r>
             <a:endParaRPr lang="en-US" dirty="0"/>
